--- a/docs/ppt/2022-10-26.pptx
+++ b/docs/ppt/2022-10-26.pptx
@@ -11,7 +11,8 @@
     <p:sldId id="259" r:id="rId5"/>
     <p:sldId id="261" r:id="rId6"/>
     <p:sldId id="262" r:id="rId7"/>
-    <p:sldId id="263" r:id="rId8"/>
+    <p:sldId id="264" r:id="rId8"/>
+    <p:sldId id="263" r:id="rId9"/>
   </p:sldIdLst>
   <p:sldSz cx="12192000" cy="6858000"/>
   <p:notesSz cx="6858000" cy="9144000"/>
@@ -5057,6 +5058,245 @@
       </p:grpSpPr>
       <p:sp>
         <p:nvSpPr>
+          <p:cNvPr id="2" name="Explosion: 8 Points 1">
+            <a:extLst>
+              <a:ext uri="{FF2B5EF4-FFF2-40B4-BE49-F238E27FC236}">
+                <a16:creationId xmlns:a16="http://schemas.microsoft.com/office/drawing/2014/main" id="{3DFD2DA9-DF52-D3F6-D9B6-29FEBD23AB56}"/>
+              </a:ext>
+            </a:extLst>
+          </p:cNvPr>
+          <p:cNvSpPr/>
+          <p:nvPr/>
+        </p:nvSpPr>
+        <p:spPr>
+          <a:xfrm>
+            <a:off x="1418963" y="1129922"/>
+            <a:ext cx="3541059" cy="3881717"/>
+          </a:xfrm>
+          <a:prstGeom prst="irregularSeal1">
+            <a:avLst/>
+          </a:prstGeom>
+          <a:solidFill>
+            <a:srgbClr val="FFC000"/>
+          </a:solidFill>
+        </p:spPr>
+        <p:style>
+          <a:lnRef idx="2">
+            <a:schemeClr val="accent1">
+              <a:shade val="50000"/>
+            </a:schemeClr>
+          </a:lnRef>
+          <a:fillRef idx="1">
+            <a:schemeClr val="accent1"/>
+          </a:fillRef>
+          <a:effectRef idx="0">
+            <a:schemeClr val="accent1"/>
+          </a:effectRef>
+          <a:fontRef idx="minor">
+            <a:schemeClr val="lt1"/>
+          </a:fontRef>
+        </p:style>
+        <p:txBody>
+          <a:bodyPr rtlCol="0" anchor="ctr"/>
+          <a:lstStyle/>
+          <a:p>
+            <a:pPr algn="ctr"/>
+            <a:endParaRPr lang="en-GB" dirty="0"/>
+          </a:p>
+        </p:txBody>
+      </p:sp>
+      <p:sp>
+        <p:nvSpPr>
+          <p:cNvPr id="3" name="TextBox 2">
+            <a:extLst>
+              <a:ext uri="{FF2B5EF4-FFF2-40B4-BE49-F238E27FC236}">
+                <a16:creationId xmlns:a16="http://schemas.microsoft.com/office/drawing/2014/main" id="{AEC7EBAA-3FCF-4841-6B01-A26CFAA52FFC}"/>
+              </a:ext>
+            </a:extLst>
+          </p:cNvPr>
+          <p:cNvSpPr txBox="1"/>
+          <p:nvPr/>
+        </p:nvSpPr>
+        <p:spPr>
+          <a:xfrm>
+            <a:off x="2852565" y="2645207"/>
+            <a:ext cx="937564" cy="646331"/>
+          </a:xfrm>
+          <a:prstGeom prst="rect">
+            <a:avLst/>
+          </a:prstGeom>
+          <a:noFill/>
+        </p:spPr>
+        <p:txBody>
+          <a:bodyPr wrap="none" rtlCol="0">
+            <a:spAutoFit/>
+          </a:bodyPr>
+          <a:lstStyle/>
+          <a:p>
+            <a:pPr algn="ctr"/>
+            <a:r>
+              <a:rPr lang="en-GB" dirty="0"/>
+              <a:t>Analysis</a:t>
+            </a:r>
+          </a:p>
+          <a:p>
+            <a:pPr algn="ctr"/>
+            <a:r>
+              <a:rPr lang="en-GB" dirty="0"/>
+              <a:t>Results</a:t>
+            </a:r>
+          </a:p>
+        </p:txBody>
+      </p:sp>
+      <p:sp>
+        <p:nvSpPr>
+          <p:cNvPr id="4" name="TextBox 3">
+            <a:extLst>
+              <a:ext uri="{FF2B5EF4-FFF2-40B4-BE49-F238E27FC236}">
+                <a16:creationId xmlns:a16="http://schemas.microsoft.com/office/drawing/2014/main" id="{DE6EE200-E4B4-C47A-C152-CDAF0D9DCF87}"/>
+              </a:ext>
+            </a:extLst>
+          </p:cNvPr>
+          <p:cNvSpPr txBox="1"/>
+          <p:nvPr/>
+        </p:nvSpPr>
+        <p:spPr>
+          <a:xfrm>
+            <a:off x="2075791" y="5274181"/>
+            <a:ext cx="2626745" cy="369332"/>
+          </a:xfrm>
+          <a:prstGeom prst="rect">
+            <a:avLst/>
+          </a:prstGeom>
+          <a:noFill/>
+        </p:spPr>
+        <p:txBody>
+          <a:bodyPr wrap="none" rtlCol="0">
+            <a:spAutoFit/>
+          </a:bodyPr>
+          <a:lstStyle/>
+          <a:p>
+            <a:r>
+              <a:rPr lang="en-GB" dirty="0"/>
+              <a:t>Requires (less) experience</a:t>
+            </a:r>
+          </a:p>
+        </p:txBody>
+      </p:sp>
+      <p:pic>
+        <p:nvPicPr>
+          <p:cNvPr id="5" name="Picture 4">
+            <a:extLst>
+              <a:ext uri="{FF2B5EF4-FFF2-40B4-BE49-F238E27FC236}">
+                <a16:creationId xmlns:a16="http://schemas.microsoft.com/office/drawing/2014/main" id="{F2BFB961-E3C7-8AC4-8A33-22DDBE0E9A8E}"/>
+              </a:ext>
+            </a:extLst>
+          </p:cNvPr>
+          <p:cNvPicPr>
+            <a:picLocks noChangeAspect="1"/>
+          </p:cNvPicPr>
+          <p:nvPr/>
+        </p:nvPicPr>
+        <p:blipFill>
+          <a:blip r:embed="rId2"/>
+          <a:stretch>
+            <a:fillRect/>
+          </a:stretch>
+        </p:blipFill>
+        <p:spPr>
+          <a:xfrm>
+            <a:off x="2612504" y="4185955"/>
+            <a:ext cx="1332013" cy="992955"/>
+          </a:xfrm>
+          <a:prstGeom prst="rect">
+            <a:avLst/>
+          </a:prstGeom>
+          <a:ln w="57150">
+            <a:solidFill>
+              <a:schemeClr val="accent5"/>
+            </a:solidFill>
+          </a:ln>
+        </p:spPr>
+      </p:pic>
+      <p:pic>
+        <p:nvPicPr>
+          <p:cNvPr id="3074" name="Picture 2" descr="Hmmm ... Roasted kitten anyone? :) | Stove top, Kitchen appliances, Kitchen">
+            <a:extLst>
+              <a:ext uri="{FF2B5EF4-FFF2-40B4-BE49-F238E27FC236}">
+                <a16:creationId xmlns:a16="http://schemas.microsoft.com/office/drawing/2014/main" id="{869EEEA4-8035-C58A-8667-14BCA8C1D47D}"/>
+              </a:ext>
+            </a:extLst>
+          </p:cNvPr>
+          <p:cNvPicPr>
+            <a:picLocks noChangeAspect="1" noChangeArrowheads="1"/>
+          </p:cNvPicPr>
+          <p:nvPr/>
+        </p:nvPicPr>
+        <p:blipFill>
+          <a:blip r:embed="rId3">
+            <a:extLst>
+              <a:ext uri="{28A0092B-C50C-407E-A947-70E740481C1C}">
+                <a14:useLocalDpi xmlns:a14="http://schemas.microsoft.com/office/drawing/2010/main" val="0"/>
+              </a:ext>
+            </a:extLst>
+          </a:blip>
+          <a:srcRect/>
+          <a:stretch>
+            <a:fillRect/>
+          </a:stretch>
+        </p:blipFill>
+        <p:spPr bwMode="auto">
+          <a:xfrm>
+            <a:off x="6465070" y="1721282"/>
+            <a:ext cx="4616112" cy="3457628"/>
+          </a:xfrm>
+          <a:prstGeom prst="rect">
+            <a:avLst/>
+          </a:prstGeom>
+          <a:noFill/>
+          <a:extLst>
+            <a:ext uri="{909E8E84-426E-40DD-AFC4-6F175D3DCCD1}">
+              <a14:hiddenFill xmlns:a14="http://schemas.microsoft.com/office/drawing/2010/main">
+                <a:solidFill>
+                  <a:srgbClr val="FFFFFF"/>
+                </a:solidFill>
+              </a14:hiddenFill>
+            </a:ext>
+          </a:extLst>
+        </p:spPr>
+      </p:pic>
+    </p:spTree>
+    <p:extLst>
+      <p:ext uri="{BB962C8B-B14F-4D97-AF65-F5344CB8AC3E}">
+        <p14:creationId xmlns:p14="http://schemas.microsoft.com/office/powerpoint/2010/main" val="4132052448"/>
+      </p:ext>
+    </p:extLst>
+  </p:cSld>
+  <p:clrMapOvr>
+    <a:masterClrMapping/>
+  </p:clrMapOvr>
+</p:sld>
+</file>
+
+<file path=ppt/slides/slide8.xml><?xml version="1.0" encoding="utf-8"?>
+<p:sld xmlns:a="http://schemas.openxmlformats.org/drawingml/2006/main" xmlns:r="http://schemas.openxmlformats.org/officeDocument/2006/relationships" xmlns:p="http://schemas.openxmlformats.org/presentationml/2006/main">
+  <p:cSld>
+    <p:spTree>
+      <p:nvGrpSpPr>
+        <p:cNvPr id="1" name=""/>
+        <p:cNvGrpSpPr/>
+        <p:nvPr/>
+      </p:nvGrpSpPr>
+      <p:grpSpPr>
+        <a:xfrm>
+          <a:off x="0" y="0"/>
+          <a:ext cx="0" cy="0"/>
+          <a:chOff x="0" y="0"/>
+          <a:chExt cx="0" cy="0"/>
+        </a:xfrm>
+      </p:grpSpPr>
+      <p:sp>
+        <p:nvSpPr>
           <p:cNvPr id="2" name="TextBox 1">
             <a:extLst>
               <a:ext uri="{FF2B5EF4-FFF2-40B4-BE49-F238E27FC236}">
